--- a/Project 1/Presentation.pptx
+++ b/Project 1/Presentation.pptx
@@ -14,13 +14,14 @@
     <p:sldId id="268" r:id="rId8"/>
     <p:sldId id="270" r:id="rId9"/>
     <p:sldId id="271" r:id="rId10"/>
-    <p:sldId id="272" r:id="rId11"/>
-    <p:sldId id="274" r:id="rId12"/>
-    <p:sldId id="275" r:id="rId13"/>
-    <p:sldId id="276" r:id="rId14"/>
-    <p:sldId id="281" r:id="rId15"/>
-    <p:sldId id="286" r:id="rId16"/>
-    <p:sldId id="287" r:id="rId17"/>
+    <p:sldId id="288" r:id="rId11"/>
+    <p:sldId id="272" r:id="rId12"/>
+    <p:sldId id="274" r:id="rId13"/>
+    <p:sldId id="275" r:id="rId14"/>
+    <p:sldId id="276" r:id="rId15"/>
+    <p:sldId id="281" r:id="rId16"/>
+    <p:sldId id="286" r:id="rId17"/>
+    <p:sldId id="287" r:id="rId18"/>
   </p:sldIdLst>
   <p:sldSz cx="12192000" cy="6858000"/>
   <p:notesSz cx="6858000" cy="9144000"/>
@@ -119,6 +120,11 @@
       </a:defRPr>
     </a:lvl9pPr>
   </p:defaultTextStyle>
+  <p:extLst>
+    <p:ext uri="{EFAFB233-063F-42B5-8137-9DF3F51BA10A}">
+      <p15:sldGuideLst xmlns:p15="http://schemas.microsoft.com/office/powerpoint/2012/main"/>
+    </p:ext>
+  </p:extLst>
 </p:presentation>
 </file>
 
@@ -277,7 +283,7 @@
             <a:fld id="{3F9AFA87-1417-4992-ABD9-27C3BC8CC883}" type="datetimeFigureOut">
               <a:rPr lang="en-US" smtClean="0"/>
               <a:pPr algn="r"/>
-              <a:t>3/3/2022</a:t>
+              <a:t>3/4/2022</a:t>
             </a:fld>
             <a:endParaRPr lang="en-US" dirty="0"/>
           </a:p>
@@ -478,7 +484,7 @@
           <a:p>
             <a:fld id="{3F9AFA87-1417-4992-ABD9-27C3BC8CC883}" type="datetimeFigureOut">
               <a:rPr lang="en-US" smtClean="0"/>
-              <a:t>3/3/2022</a:t>
+              <a:t>3/4/2022</a:t>
             </a:fld>
             <a:endParaRPr lang="en-US"/>
           </a:p>
@@ -688,7 +694,7 @@
           <a:p>
             <a:fld id="{3F9AFA87-1417-4992-ABD9-27C3BC8CC883}" type="datetimeFigureOut">
               <a:rPr lang="en-US" smtClean="0"/>
-              <a:t>3/3/2022</a:t>
+              <a:t>3/4/2022</a:t>
             </a:fld>
             <a:endParaRPr lang="en-US"/>
           </a:p>
@@ -886,7 +892,7 @@
           <a:p>
             <a:fld id="{3F9AFA87-1417-4992-ABD9-27C3BC8CC883}" type="datetimeFigureOut">
               <a:rPr lang="en-US" smtClean="0"/>
-              <a:t>3/3/2022</a:t>
+              <a:t>3/4/2022</a:t>
             </a:fld>
             <a:endParaRPr lang="en-US"/>
           </a:p>
@@ -1160,7 +1166,7 @@
           <a:p>
             <a:fld id="{3F9AFA87-1417-4992-ABD9-27C3BC8CC883}" type="datetimeFigureOut">
               <a:rPr lang="en-US" smtClean="0"/>
-              <a:t>3/3/2022</a:t>
+              <a:t>3/4/2022</a:t>
             </a:fld>
             <a:endParaRPr lang="en-US"/>
           </a:p>
@@ -1425,7 +1431,7 @@
           <a:p>
             <a:fld id="{3F9AFA87-1417-4992-ABD9-27C3BC8CC883}" type="datetimeFigureOut">
               <a:rPr lang="en-US" smtClean="0"/>
-              <a:t>3/3/2022</a:t>
+              <a:t>3/4/2022</a:t>
             </a:fld>
             <a:endParaRPr lang="en-US" dirty="0"/>
           </a:p>
@@ -1812,7 +1818,7 @@
           <a:p>
             <a:fld id="{3F9AFA87-1417-4992-ABD9-27C3BC8CC883}" type="datetimeFigureOut">
               <a:rPr lang="en-US" smtClean="0"/>
-              <a:t>3/3/2022</a:t>
+              <a:t>3/4/2022</a:t>
             </a:fld>
             <a:endParaRPr lang="en-US"/>
           </a:p>
@@ -1982,7 +1988,7 @@
           <a:p>
             <a:fld id="{3F9AFA87-1417-4992-ABD9-27C3BC8CC883}" type="datetimeFigureOut">
               <a:rPr lang="en-US" smtClean="0"/>
-              <a:t>3/3/2022</a:t>
+              <a:t>3/4/2022</a:t>
             </a:fld>
             <a:endParaRPr lang="en-US"/>
           </a:p>
@@ -2095,7 +2101,7 @@
           <a:p>
             <a:fld id="{3F9AFA87-1417-4992-ABD9-27C3BC8CC883}" type="datetimeFigureOut">
               <a:rPr lang="en-US" smtClean="0"/>
-              <a:t>3/3/2022</a:t>
+              <a:t>3/4/2022</a:t>
             </a:fld>
             <a:endParaRPr lang="en-US"/>
           </a:p>
@@ -2415,7 +2421,7 @@
           <a:p>
             <a:fld id="{3F9AFA87-1417-4992-ABD9-27C3BC8CC883}" type="datetimeFigureOut">
               <a:rPr lang="en-US" smtClean="0"/>
-              <a:t>3/3/2022</a:t>
+              <a:t>3/4/2022</a:t>
             </a:fld>
             <a:endParaRPr lang="en-US"/>
           </a:p>
@@ -2720,7 +2726,7 @@
           <a:p>
             <a:fld id="{3F9AFA87-1417-4992-ABD9-27C3BC8CC883}" type="datetimeFigureOut">
               <a:rPr lang="en-US" smtClean="0"/>
-              <a:t>3/3/2022</a:t>
+              <a:t>3/4/2022</a:t>
             </a:fld>
             <a:endParaRPr lang="en-US"/>
           </a:p>
@@ -2963,7 +2969,7 @@
             <a:fld id="{3F9AFA87-1417-4992-ABD9-27C3BC8CC883}" type="datetimeFigureOut">
               <a:rPr lang="en-US" smtClean="0"/>
               <a:pPr algn="r"/>
-              <a:t>3/3/2022</a:t>
+              <a:t>3/4/2022</a:t>
             </a:fld>
             <a:endParaRPr lang="en-US" dirty="0"/>
           </a:p>
@@ -4171,54 +4177,18 @@
             <a:pPr algn="ctr"/>
             <a:r>
               <a:rPr lang="en-US" b="1" dirty="0"/>
-              <a:t>Boxplot by Income Group vs Scores</a:t>
+              <a:t>Income Vs ACT/SAT scores</a:t>
             </a:r>
             <a:endParaRPr lang="en-SG" b="1" dirty="0"/>
-          </a:p>
-        </p:txBody>
-      </p:sp>
-      <p:sp>
-        <p:nvSpPr>
-          <p:cNvPr id="19" name="TextBox 18">
-            <a:extLst>
-              <a:ext uri="{FF2B5EF4-FFF2-40B4-BE49-F238E27FC236}">
-                <a16:creationId xmlns:a16="http://schemas.microsoft.com/office/drawing/2014/main" id="{98456305-16A3-4777-A440-C6B2BCFDE9AC}"/>
-              </a:ext>
-            </a:extLst>
-          </p:cNvPr>
-          <p:cNvSpPr txBox="1"/>
-          <p:nvPr/>
-        </p:nvSpPr>
-        <p:spPr>
-          <a:xfrm>
-            <a:off x="2120104" y="5122689"/>
-            <a:ext cx="7951789" cy="369332"/>
-          </a:xfrm>
-          <a:prstGeom prst="rect">
-            <a:avLst/>
-          </a:prstGeom>
-          <a:noFill/>
-        </p:spPr>
-        <p:txBody>
-          <a:bodyPr wrap="square" rtlCol="0">
-            <a:spAutoFit/>
-          </a:bodyPr>
-          <a:lstStyle/>
-          <a:p>
-            <a:pPr algn="ctr"/>
-            <a:r>
-              <a:rPr lang="en-US" dirty="0"/>
-              <a:t>Observed disparity in ACT scores vs income levels of students.  </a:t>
-            </a:r>
           </a:p>
         </p:txBody>
       </p:sp>
       <p:pic>
         <p:nvPicPr>
-          <p:cNvPr id="3" name="Picture 2">
-            <a:extLst>
-              <a:ext uri="{FF2B5EF4-FFF2-40B4-BE49-F238E27FC236}">
-                <a16:creationId xmlns:a16="http://schemas.microsoft.com/office/drawing/2014/main" id="{E31BACF8-0D47-4EEB-ADC9-B5F1786EFD75}"/>
+          <p:cNvPr id="2" name="Picture 1">
+            <a:extLst>
+              <a:ext uri="{FF2B5EF4-FFF2-40B4-BE49-F238E27FC236}">
+                <a16:creationId xmlns:a16="http://schemas.microsoft.com/office/drawing/2014/main" id="{53051C16-2D8D-46BD-9105-59450FAD0579}"/>
               </a:ext>
             </a:extLst>
           </p:cNvPr>
@@ -4235,8 +4205,8 @@
         </p:blipFill>
         <p:spPr>
           <a:xfrm>
-            <a:off x="1020081" y="1931906"/>
-            <a:ext cx="4343400" cy="2647950"/>
+            <a:off x="1679884" y="1415293"/>
+            <a:ext cx="3752232" cy="2184518"/>
           </a:xfrm>
           <a:prstGeom prst="rect">
             <a:avLst/>
@@ -4245,10 +4215,10 @@
       </p:pic>
       <p:pic>
         <p:nvPicPr>
-          <p:cNvPr id="8" name="Picture 7">
-            <a:extLst>
-              <a:ext uri="{FF2B5EF4-FFF2-40B4-BE49-F238E27FC236}">
-                <a16:creationId xmlns:a16="http://schemas.microsoft.com/office/drawing/2014/main" id="{046336A2-BDB4-4F6B-B165-B863FF28D0FC}"/>
+          <p:cNvPr id="4" name="Picture 3">
+            <a:extLst>
+              <a:ext uri="{FF2B5EF4-FFF2-40B4-BE49-F238E27FC236}">
+                <a16:creationId xmlns:a16="http://schemas.microsoft.com/office/drawing/2014/main" id="{4F1A1AC7-5BA9-45B5-8883-1B8807F3CD42}"/>
               </a:ext>
             </a:extLst>
           </p:cNvPr>
@@ -4265,18 +4235,114 @@
         </p:blipFill>
         <p:spPr>
           <a:xfrm>
-            <a:off x="6283777" y="1931906"/>
-            <a:ext cx="4343400" cy="2647950"/>
+            <a:off x="1662060" y="3607366"/>
+            <a:ext cx="3936373" cy="1995148"/>
           </a:xfrm>
           <a:prstGeom prst="rect">
             <a:avLst/>
           </a:prstGeom>
         </p:spPr>
       </p:pic>
+      <p:pic>
+        <p:nvPicPr>
+          <p:cNvPr id="5" name="Picture 4">
+            <a:extLst>
+              <a:ext uri="{FF2B5EF4-FFF2-40B4-BE49-F238E27FC236}">
+                <a16:creationId xmlns:a16="http://schemas.microsoft.com/office/drawing/2014/main" id="{0E5F8DC4-F95C-40C6-AF41-241557CE07A9}"/>
+              </a:ext>
+            </a:extLst>
+          </p:cNvPr>
+          <p:cNvPicPr>
+            <a:picLocks noChangeAspect="1"/>
+          </p:cNvPicPr>
+          <p:nvPr/>
+        </p:nvPicPr>
+        <p:blipFill>
+          <a:blip r:embed="rId4"/>
+          <a:stretch>
+            <a:fillRect/>
+          </a:stretch>
+        </p:blipFill>
+        <p:spPr>
+          <a:xfrm>
+            <a:off x="6695168" y="1465796"/>
+            <a:ext cx="3678464" cy="2141570"/>
+          </a:xfrm>
+          <a:prstGeom prst="rect">
+            <a:avLst/>
+          </a:prstGeom>
+        </p:spPr>
+      </p:pic>
+      <p:pic>
+        <p:nvPicPr>
+          <p:cNvPr id="6" name="Picture 5">
+            <a:extLst>
+              <a:ext uri="{FF2B5EF4-FFF2-40B4-BE49-F238E27FC236}">
+                <a16:creationId xmlns:a16="http://schemas.microsoft.com/office/drawing/2014/main" id="{1E243AF6-B0B6-4CF0-8054-1B0F89171B52}"/>
+              </a:ext>
+            </a:extLst>
+          </p:cNvPr>
+          <p:cNvPicPr>
+            <a:picLocks noChangeAspect="1"/>
+          </p:cNvPicPr>
+          <p:nvPr/>
+        </p:nvPicPr>
+        <p:blipFill>
+          <a:blip r:embed="rId5"/>
+          <a:stretch>
+            <a:fillRect/>
+          </a:stretch>
+        </p:blipFill>
+        <p:spPr>
+          <a:xfrm>
+            <a:off x="6695168" y="3631405"/>
+            <a:ext cx="3718060" cy="1884496"/>
+          </a:xfrm>
+          <a:prstGeom prst="rect">
+            <a:avLst/>
+          </a:prstGeom>
+        </p:spPr>
+      </p:pic>
+      <p:sp>
+        <p:nvSpPr>
+          <p:cNvPr id="19" name="TextBox 18">
+            <a:extLst>
+              <a:ext uri="{FF2B5EF4-FFF2-40B4-BE49-F238E27FC236}">
+                <a16:creationId xmlns:a16="http://schemas.microsoft.com/office/drawing/2014/main" id="{98456305-16A3-4777-A440-C6B2BCFDE9AC}"/>
+              </a:ext>
+            </a:extLst>
+          </p:cNvPr>
+          <p:cNvSpPr txBox="1"/>
+          <p:nvPr/>
+        </p:nvSpPr>
+        <p:spPr>
+          <a:xfrm>
+            <a:off x="1679884" y="5782358"/>
+            <a:ext cx="7951789" cy="646331"/>
+          </a:xfrm>
+          <a:prstGeom prst="rect">
+            <a:avLst/>
+          </a:prstGeom>
+          <a:noFill/>
+        </p:spPr>
+        <p:txBody>
+          <a:bodyPr wrap="square" rtlCol="0">
+            <a:spAutoFit/>
+          </a:bodyPr>
+          <a:lstStyle/>
+          <a:p>
+            <a:pPr algn="ctr"/>
+            <a:r>
+              <a:rPr lang="en-US" dirty="0"/>
+              <a:t>When split by participation rates between the &lt;20% and &gt;80%, can see positive correlation between income and SAT/ACT scores  </a:t>
+            </a:r>
+          </a:p>
+        </p:txBody>
+      </p:sp>
     </p:spTree>
     <p:extLst>
       <p:ext uri="{BB962C8B-B14F-4D97-AF65-F5344CB8AC3E}">
-        <p14:creationId xmlns:p14="http://schemas.microsoft.com/office/powerpoint/2010/main" val="3758145369"/>
+        <p14:creationId xmlns:p14="http://schemas.microsoft.com/office/powerpoint/2010/main" val="771755256"/>
       </p:ext>
     </p:extLst>
   </p:cSld>
@@ -4690,8 +4756,8 @@
         </p:nvSpPr>
         <p:spPr>
           <a:xfrm>
-            <a:off x="2260599" y="868462"/>
-            <a:ext cx="7670802" cy="449942"/>
+            <a:off x="2891447" y="868462"/>
+            <a:ext cx="6409105" cy="449942"/>
           </a:xfrm>
           <a:prstGeom prst="roundRect">
             <a:avLst/>
@@ -4723,7 +4789,7 @@
             <a:pPr algn="ctr"/>
             <a:r>
               <a:rPr lang="en-US" b="1" dirty="0"/>
-              <a:t>Linear regression plot between scores and participation rates</a:t>
+              <a:t>Boxplot by Income Group vs Scores</a:t>
             </a:r>
             <a:endParaRPr lang="en-SG" b="1" dirty="0"/>
           </a:p>
@@ -4743,8 +4809,8 @@
         </p:nvSpPr>
         <p:spPr>
           <a:xfrm>
-            <a:off x="1294562" y="5583052"/>
-            <a:ext cx="9805238" cy="923330"/>
+            <a:off x="2120104" y="5122689"/>
+            <a:ext cx="7951789" cy="369332"/>
           </a:xfrm>
           <a:prstGeom prst="rect">
             <a:avLst/>
@@ -4760,31 +4826,17 @@
             <a:pPr algn="ctr"/>
             <a:r>
               <a:rPr lang="en-US" dirty="0"/>
-              <a:t>Noted huge cluster of high scoring SAT students below participation rate of 20%</a:t>
-            </a:r>
-          </a:p>
-          <a:p>
-            <a:pPr algn="ctr"/>
-            <a:r>
-              <a:rPr lang="en-US" dirty="0"/>
-              <a:t> </a:t>
-            </a:r>
-          </a:p>
-          <a:p>
-            <a:pPr algn="ctr"/>
-            <a:r>
-              <a:rPr lang="en-US" dirty="0"/>
-              <a:t>At least 13 states has scored more than 75% percentile for SAT scores across both years  </a:t>
+              <a:t>Observed disparity in ACT scores vs income levels of students.  </a:t>
             </a:r>
           </a:p>
         </p:txBody>
       </p:sp>
       <p:pic>
         <p:nvPicPr>
-          <p:cNvPr id="5" name="Picture 4">
-            <a:extLst>
-              <a:ext uri="{FF2B5EF4-FFF2-40B4-BE49-F238E27FC236}">
-                <a16:creationId xmlns:a16="http://schemas.microsoft.com/office/drawing/2014/main" id="{83FB0BD0-25BD-4A64-B686-7C0CBC72818E}"/>
+          <p:cNvPr id="3" name="Picture 2">
+            <a:extLst>
+              <a:ext uri="{FF2B5EF4-FFF2-40B4-BE49-F238E27FC236}">
+                <a16:creationId xmlns:a16="http://schemas.microsoft.com/office/drawing/2014/main" id="{E31BACF8-0D47-4EEB-ADC9-B5F1786EFD75}"/>
               </a:ext>
             </a:extLst>
           </p:cNvPr>
@@ -4801,8 +4853,38 @@
         </p:blipFill>
         <p:spPr>
           <a:xfrm>
-            <a:off x="1904204" y="1719262"/>
-            <a:ext cx="8846325" cy="3614738"/>
+            <a:off x="1020081" y="1931906"/>
+            <a:ext cx="4343400" cy="2647950"/>
+          </a:xfrm>
+          <a:prstGeom prst="rect">
+            <a:avLst/>
+          </a:prstGeom>
+        </p:spPr>
+      </p:pic>
+      <p:pic>
+        <p:nvPicPr>
+          <p:cNvPr id="8" name="Picture 7">
+            <a:extLst>
+              <a:ext uri="{FF2B5EF4-FFF2-40B4-BE49-F238E27FC236}">
+                <a16:creationId xmlns:a16="http://schemas.microsoft.com/office/drawing/2014/main" id="{046336A2-BDB4-4F6B-B165-B863FF28D0FC}"/>
+              </a:ext>
+            </a:extLst>
+          </p:cNvPr>
+          <p:cNvPicPr>
+            <a:picLocks noChangeAspect="1"/>
+          </p:cNvPicPr>
+          <p:nvPr/>
+        </p:nvPicPr>
+        <p:blipFill>
+          <a:blip r:embed="rId3"/>
+          <a:stretch>
+            <a:fillRect/>
+          </a:stretch>
+        </p:blipFill>
+        <p:spPr>
+          <a:xfrm>
+            <a:off x="6283777" y="1931906"/>
+            <a:ext cx="4343400" cy="2647950"/>
           </a:xfrm>
           <a:prstGeom prst="rect">
             <a:avLst/>
@@ -4812,7 +4894,7 @@
     </p:spTree>
     <p:extLst>
       <p:ext uri="{BB962C8B-B14F-4D97-AF65-F5344CB8AC3E}">
-        <p14:creationId xmlns:p14="http://schemas.microsoft.com/office/powerpoint/2010/main" val="3112239282"/>
+        <p14:creationId xmlns:p14="http://schemas.microsoft.com/office/powerpoint/2010/main" val="3758145369"/>
       </p:ext>
     </p:extLst>
   </p:cSld>
@@ -5259,15 +5341,7 @@
             <a:pPr algn="ctr"/>
             <a:r>
               <a:rPr lang="en-US" b="1" dirty="0"/>
-              <a:t>Histogram plot SAT/ACT </a:t>
-            </a:r>
-            <a:r>
-              <a:rPr lang="en-US" b="1" dirty="0" err="1"/>
-              <a:t>scoress</a:t>
-            </a:r>
-            <a:r>
-              <a:rPr lang="en-US" b="1" dirty="0"/>
-              <a:t> across 2017 and 2018</a:t>
+              <a:t>Linear regression plot between scores and participation rates</a:t>
             </a:r>
             <a:endParaRPr lang="en-SG" b="1" dirty="0"/>
           </a:p>
@@ -5287,7 +5361,7 @@
         </p:nvSpPr>
         <p:spPr>
           <a:xfrm>
-            <a:off x="1929562" y="5610138"/>
+            <a:off x="1294562" y="5583052"/>
             <a:ext cx="9805238" cy="923330"/>
           </a:xfrm>
           <a:prstGeom prst="rect">
@@ -5301,88 +5375,62 @@
           </a:bodyPr>
           <a:lstStyle/>
           <a:p>
-            <a:pPr marL="285750" indent="-285750">
-              <a:buFont typeface="Arial" panose="020B0604020202020204" pitchFamily="34" charset="0"/>
-              <a:buChar char="•"/>
-            </a:pPr>
+            <a:pPr algn="ctr"/>
             <a:r>
               <a:rPr lang="en-US" dirty="0"/>
-              <a:t>Observed bi-modal distribution on the average scores across 2017 and 2018</a:t>
-            </a:r>
-          </a:p>
-          <a:p>
-            <a:pPr marL="285750" indent="-285750">
-              <a:buFont typeface="Arial" panose="020B0604020202020204" pitchFamily="34" charset="0"/>
-              <a:buChar char="•"/>
-            </a:pPr>
+              <a:t>Noted huge cluster of high scoring SAT students below participation rate of 20%</a:t>
+            </a:r>
+          </a:p>
+          <a:p>
+            <a:pPr algn="ctr"/>
             <a:r>
               <a:rPr lang="en-US" dirty="0"/>
-              <a:t>Distribution seems to be right skewed </a:t>
-            </a:r>
-          </a:p>
-          <a:p>
-            <a:pPr marL="285750" indent="-285750">
-              <a:buFont typeface="Arial" panose="020B0604020202020204" pitchFamily="34" charset="0"/>
-              <a:buChar char="•"/>
-            </a:pPr>
+              <a:t> </a:t>
+            </a:r>
+          </a:p>
+          <a:p>
+            <a:pPr algn="ctr"/>
             <a:r>
               <a:rPr lang="en-US" dirty="0"/>
-              <a:t>Mean score for SAT decreased from 2017 to 2018 </a:t>
+              <a:t>At least 13 states has scored more than 75% percentile for SAT scores across both years  </a:t>
             </a:r>
           </a:p>
         </p:txBody>
       </p:sp>
       <p:pic>
         <p:nvPicPr>
-          <p:cNvPr id="4098" name="Picture 2">
-            <a:extLst>
-              <a:ext uri="{FF2B5EF4-FFF2-40B4-BE49-F238E27FC236}">
-                <a16:creationId xmlns:a16="http://schemas.microsoft.com/office/drawing/2014/main" id="{74DE5160-A14A-47F3-987F-4FA0A92FF93E}"/>
+          <p:cNvPr id="5" name="Picture 4">
+            <a:extLst>
+              <a:ext uri="{FF2B5EF4-FFF2-40B4-BE49-F238E27FC236}">
+                <a16:creationId xmlns:a16="http://schemas.microsoft.com/office/drawing/2014/main" id="{83FB0BD0-25BD-4A64-B686-7C0CBC72818E}"/>
               </a:ext>
             </a:extLst>
           </p:cNvPr>
           <p:cNvPicPr>
-            <a:picLocks noChangeAspect="1" noChangeArrowheads="1"/>
+            <a:picLocks noChangeAspect="1"/>
           </p:cNvPicPr>
           <p:nvPr/>
         </p:nvPicPr>
         <p:blipFill>
-          <a:blip r:embed="rId2">
-            <a:extLst>
-              <a:ext uri="{28A0092B-C50C-407E-A947-70E740481C1C}">
-                <a14:useLocalDpi xmlns:a14="http://schemas.microsoft.com/office/drawing/2010/main" val="0"/>
-              </a:ext>
-            </a:extLst>
-          </a:blip>
-          <a:srcRect/>
+          <a:blip r:embed="rId2"/>
           <a:stretch>
             <a:fillRect/>
           </a:stretch>
         </p:blipFill>
-        <p:spPr bwMode="auto">
+        <p:spPr>
           <a:xfrm>
-            <a:off x="2260599" y="1599169"/>
-            <a:ext cx="7670802" cy="3804718"/>
+            <a:off x="1904204" y="1719262"/>
+            <a:ext cx="8846325" cy="3614738"/>
           </a:xfrm>
           <a:prstGeom prst="rect">
             <a:avLst/>
           </a:prstGeom>
-          <a:noFill/>
-          <a:extLst>
-            <a:ext uri="{909E8E84-426E-40DD-AFC4-6F175D3DCCD1}">
-              <a14:hiddenFill xmlns:a14="http://schemas.microsoft.com/office/drawing/2010/main">
-                <a:solidFill>
-                  <a:srgbClr val="FFFFFF"/>
-                </a:solidFill>
-              </a14:hiddenFill>
-            </a:ext>
-          </a:extLst>
         </p:spPr>
       </p:pic>
     </p:spTree>
     <p:extLst>
       <p:ext uri="{BB962C8B-B14F-4D97-AF65-F5344CB8AC3E}">
-        <p14:creationId xmlns:p14="http://schemas.microsoft.com/office/powerpoint/2010/main" val="3867359825"/>
+        <p14:creationId xmlns:p14="http://schemas.microsoft.com/office/powerpoint/2010/main" val="3112239282"/>
       </p:ext>
     </p:extLst>
   </p:cSld>
@@ -5829,7 +5877,15 @@
             <a:pPr algn="ctr"/>
             <a:r>
               <a:rPr lang="en-US" b="1" dirty="0"/>
-              <a:t>Histogram plot for SAT/ACT participation rates</a:t>
+              <a:t>Histogram plot SAT/ACT </a:t>
+            </a:r>
+            <a:r>
+              <a:rPr lang="en-US" b="1" dirty="0" err="1"/>
+              <a:t>scoress</a:t>
+            </a:r>
+            <a:r>
+              <a:rPr lang="en-US" b="1" dirty="0"/>
+              <a:t> across 2017 and 2018</a:t>
             </a:r>
             <a:endParaRPr lang="en-SG" b="1" dirty="0"/>
           </a:p>
@@ -5849,8 +5905,8 @@
         </p:nvSpPr>
         <p:spPr>
           <a:xfrm>
-            <a:off x="1700962" y="5563320"/>
-            <a:ext cx="9805238" cy="1200329"/>
+            <a:off x="1929562" y="5610138"/>
+            <a:ext cx="9805238" cy="923330"/>
           </a:xfrm>
           <a:prstGeom prst="rect">
             <a:avLst/>
@@ -5864,67 +5920,87 @@
           <a:lstStyle/>
           <a:p>
             <a:pPr marL="285750" indent="-285750">
-              <a:buFontTx/>
-              <a:buChar char="-"/>
+              <a:buFont typeface="Arial" panose="020B0604020202020204" pitchFamily="34" charset="0"/>
+              <a:buChar char="•"/>
             </a:pPr>
             <a:r>
               <a:rPr lang="en-US" dirty="0"/>
-              <a:t>Observed bi-modal distribution on the average participation across 2017 and 2018</a:t>
+              <a:t>Observed bi-modal distribution on the average scores across 2017 and 2018</a:t>
             </a:r>
           </a:p>
           <a:p>
             <a:pPr marL="285750" indent="-285750">
-              <a:buFontTx/>
-              <a:buChar char="-"/>
+              <a:buFont typeface="Arial" panose="020B0604020202020204" pitchFamily="34" charset="0"/>
+              <a:buChar char="•"/>
             </a:pPr>
             <a:r>
               <a:rPr lang="en-US" dirty="0"/>
-              <a:t>Mean increased from 2017 to 2018, exhibiting higher counts of states on the right side of the histogram. </a:t>
+              <a:t>Distribution seems to be right skewed </a:t>
             </a:r>
           </a:p>
           <a:p>
             <a:pPr marL="285750" indent="-285750">
-              <a:buFontTx/>
-              <a:buChar char="-"/>
+              <a:buFont typeface="Arial" panose="020B0604020202020204" pitchFamily="34" charset="0"/>
+              <a:buChar char="•"/>
             </a:pPr>
-            <a:endParaRPr lang="en-US" dirty="0"/>
+            <a:r>
+              <a:rPr lang="en-US" dirty="0"/>
+              <a:t>Mean score for SAT decreased from 2017 to 2018 </a:t>
+            </a:r>
           </a:p>
         </p:txBody>
       </p:sp>
       <p:pic>
         <p:nvPicPr>
-          <p:cNvPr id="2" name="Picture 1">
-            <a:extLst>
-              <a:ext uri="{FF2B5EF4-FFF2-40B4-BE49-F238E27FC236}">
-                <a16:creationId xmlns:a16="http://schemas.microsoft.com/office/drawing/2014/main" id="{0EFD04F4-9E1C-4648-876F-8A31603DBDAD}"/>
+          <p:cNvPr id="4098" name="Picture 2">
+            <a:extLst>
+              <a:ext uri="{FF2B5EF4-FFF2-40B4-BE49-F238E27FC236}">
+                <a16:creationId xmlns:a16="http://schemas.microsoft.com/office/drawing/2014/main" id="{74DE5160-A14A-47F3-987F-4FA0A92FF93E}"/>
               </a:ext>
             </a:extLst>
           </p:cNvPr>
           <p:cNvPicPr>
-            <a:picLocks noChangeAspect="1"/>
+            <a:picLocks noChangeAspect="1" noChangeArrowheads="1"/>
           </p:cNvPicPr>
           <p:nvPr/>
         </p:nvPicPr>
         <p:blipFill>
-          <a:blip r:embed="rId2"/>
+          <a:blip r:embed="rId2">
+            <a:extLst>
+              <a:ext uri="{28A0092B-C50C-407E-A947-70E740481C1C}">
+                <a14:useLocalDpi xmlns:a14="http://schemas.microsoft.com/office/drawing/2010/main" val="0"/>
+              </a:ext>
+            </a:extLst>
+          </a:blip>
+          <a:srcRect/>
           <a:stretch>
             <a:fillRect/>
           </a:stretch>
         </p:blipFill>
-        <p:spPr>
+        <p:spPr bwMode="auto">
           <a:xfrm>
-            <a:off x="2260599" y="1494730"/>
-            <a:ext cx="7799476" cy="3868540"/>
+            <a:off x="2260599" y="1599169"/>
+            <a:ext cx="7670802" cy="3804718"/>
           </a:xfrm>
           <a:prstGeom prst="rect">
             <a:avLst/>
           </a:prstGeom>
+          <a:noFill/>
+          <a:extLst>
+            <a:ext uri="{909E8E84-426E-40DD-AFC4-6F175D3DCCD1}">
+              <a14:hiddenFill xmlns:a14="http://schemas.microsoft.com/office/drawing/2010/main">
+                <a:solidFill>
+                  <a:srgbClr val="FFFFFF"/>
+                </a:solidFill>
+              </a14:hiddenFill>
+            </a:ext>
+          </a:extLst>
         </p:spPr>
       </p:pic>
     </p:spTree>
     <p:extLst>
       <p:ext uri="{BB962C8B-B14F-4D97-AF65-F5344CB8AC3E}">
-        <p14:creationId xmlns:p14="http://schemas.microsoft.com/office/powerpoint/2010/main" val="3053808435"/>
+        <p14:creationId xmlns:p14="http://schemas.microsoft.com/office/powerpoint/2010/main" val="3867359825"/>
       </p:ext>
     </p:extLst>
   </p:cSld>
@@ -6338,7 +6414,7 @@
         </p:nvSpPr>
         <p:spPr>
           <a:xfrm>
-            <a:off x="2332367" y="138019"/>
+            <a:off x="2260599" y="868462"/>
             <a:ext cx="7670802" cy="449942"/>
           </a:xfrm>
           <a:prstGeom prst="roundRect">
@@ -6371,7 +6447,7 @@
             <a:pPr algn="ctr"/>
             <a:r>
               <a:rPr lang="en-US" b="1" dirty="0"/>
-              <a:t>Histogram of percentage difference VS Statewide mean (21.5)</a:t>
+              <a:t>Histogram plot for SAT/ACT participation rates</a:t>
             </a:r>
             <a:endParaRPr lang="en-SG" b="1" dirty="0"/>
           </a:p>
@@ -6379,112 +6455,20 @@
       </p:sp>
       <p:sp>
         <p:nvSpPr>
-          <p:cNvPr id="10" name="Rectangle: Rounded Corners 9">
-            <a:extLst>
-              <a:ext uri="{FF2B5EF4-FFF2-40B4-BE49-F238E27FC236}">
-                <a16:creationId xmlns:a16="http://schemas.microsoft.com/office/drawing/2014/main" id="{1B8CE9BD-5B8E-418E-AA6C-27D43FFDB666}"/>
-              </a:ext>
-            </a:extLst>
-          </p:cNvPr>
-          <p:cNvSpPr/>
+          <p:cNvPr id="19" name="TextBox 18">
+            <a:extLst>
+              <a:ext uri="{FF2B5EF4-FFF2-40B4-BE49-F238E27FC236}">
+                <a16:creationId xmlns:a16="http://schemas.microsoft.com/office/drawing/2014/main" id="{98456305-16A3-4777-A440-C6B2BCFDE9AC}"/>
+              </a:ext>
+            </a:extLst>
+          </p:cNvPr>
+          <p:cNvSpPr txBox="1"/>
           <p:nvPr/>
         </p:nvSpPr>
         <p:spPr>
           <a:xfrm>
-            <a:off x="7561087" y="3290299"/>
-            <a:ext cx="2109484" cy="888810"/>
-          </a:xfrm>
-          <a:prstGeom prst="roundRect">
-            <a:avLst/>
-          </a:prstGeom>
-          <a:noFill/>
-          <a:ln w="38100"/>
-        </p:spPr>
-        <p:style>
-          <a:lnRef idx="2">
-            <a:schemeClr val="accent1">
-              <a:shade val="50000"/>
-            </a:schemeClr>
-          </a:lnRef>
-          <a:fillRef idx="1">
-            <a:schemeClr val="accent1"/>
-          </a:fillRef>
-          <a:effectRef idx="0">
-            <a:schemeClr val="accent1"/>
-          </a:effectRef>
-          <a:fontRef idx="minor">
-            <a:schemeClr val="lt1"/>
-          </a:fontRef>
-        </p:style>
-        <p:txBody>
-          <a:bodyPr rtlCol="0" anchor="ctr"/>
-          <a:lstStyle/>
-          <a:p>
-            <a:pPr algn="ctr"/>
-            <a:endParaRPr lang="en-SG"/>
-          </a:p>
-        </p:txBody>
-      </p:sp>
-      <p:cxnSp>
-        <p:nvCxnSpPr>
-          <p:cNvPr id="12" name="Straight Arrow Connector 11">
-            <a:extLst>
-              <a:ext uri="{FF2B5EF4-FFF2-40B4-BE49-F238E27FC236}">
-                <a16:creationId xmlns:a16="http://schemas.microsoft.com/office/drawing/2014/main" id="{F0047443-2F78-4324-942D-4A4E3A4A50AA}"/>
-              </a:ext>
-            </a:extLst>
-          </p:cNvPr>
-          <p:cNvCxnSpPr>
-            <a:cxnSpLocks/>
-          </p:cNvCxnSpPr>
-          <p:nvPr/>
-        </p:nvCxnSpPr>
-        <p:spPr>
-          <a:xfrm>
-            <a:off x="9151872" y="4181051"/>
-            <a:ext cx="110462" cy="493926"/>
-          </a:xfrm>
-          <a:prstGeom prst="straightConnector1">
-            <a:avLst/>
-          </a:prstGeom>
-          <a:ln w="57150">
-            <a:solidFill>
-              <a:srgbClr val="916D80"/>
-            </a:solidFill>
-            <a:tailEnd type="triangle"/>
-          </a:ln>
-        </p:spPr>
-        <p:style>
-          <a:lnRef idx="1">
-            <a:schemeClr val="accent1"/>
-          </a:lnRef>
-          <a:fillRef idx="0">
-            <a:schemeClr val="accent1"/>
-          </a:fillRef>
-          <a:effectRef idx="0">
-            <a:schemeClr val="accent1"/>
-          </a:effectRef>
-          <a:fontRef idx="minor">
-            <a:schemeClr val="tx1"/>
-          </a:fontRef>
-        </p:style>
-      </p:cxnSp>
-      <p:sp>
-        <p:nvSpPr>
-          <p:cNvPr id="14" name="TextBox 13">
-            <a:extLst>
-              <a:ext uri="{FF2B5EF4-FFF2-40B4-BE49-F238E27FC236}">
-                <a16:creationId xmlns:a16="http://schemas.microsoft.com/office/drawing/2014/main" id="{9132188F-DCC8-4894-9930-7EBE2A0AA15E}"/>
-              </a:ext>
-            </a:extLst>
-          </p:cNvPr>
-          <p:cNvSpPr txBox="1"/>
-          <p:nvPr/>
-        </p:nvSpPr>
-        <p:spPr>
-          <a:xfrm>
-            <a:off x="8979750" y="4674977"/>
-            <a:ext cx="2046838" cy="923330"/>
+            <a:off x="1700962" y="5563320"/>
+            <a:ext cx="9805238" cy="1200329"/>
           </a:xfrm>
           <a:prstGeom prst="rect">
             <a:avLst/>
@@ -6497,112 +6481,40 @@
           </a:bodyPr>
           <a:lstStyle/>
           <a:p>
+            <a:pPr marL="285750" indent="-285750">
+              <a:buFontTx/>
+              <a:buChar char="-"/>
+            </a:pPr>
             <a:r>
               <a:rPr lang="en-US" dirty="0"/>
-              <a:t>Also falls under </a:t>
-            </a:r>
-            <a:r>
-              <a:rPr lang="en-US" dirty="0">
-                <a:solidFill>
-                  <a:schemeClr val="accent1">
-                    <a:lumMod val="75000"/>
-                  </a:schemeClr>
-                </a:solidFill>
-              </a:rPr>
-              <a:t>lower income</a:t>
-            </a:r>
+              <a:t>Observed bi-modal distribution on the average participation across 2017 and 2018</a:t>
+            </a:r>
+          </a:p>
+          <a:p>
+            <a:pPr marL="285750" indent="-285750">
+              <a:buFontTx/>
+              <a:buChar char="-"/>
+            </a:pPr>
             <a:r>
               <a:rPr lang="en-US" dirty="0"/>
-              <a:t> group</a:t>
-            </a:r>
-            <a:endParaRPr lang="en-SG" dirty="0"/>
-          </a:p>
-        </p:txBody>
-      </p:sp>
-      <p:sp>
-        <p:nvSpPr>
-          <p:cNvPr id="17" name="TextBox 16">
-            <a:extLst>
-              <a:ext uri="{FF2B5EF4-FFF2-40B4-BE49-F238E27FC236}">
-                <a16:creationId xmlns:a16="http://schemas.microsoft.com/office/drawing/2014/main" id="{35D9533A-33F1-476E-A1DC-1AAEE8C8AD19}"/>
-              </a:ext>
-            </a:extLst>
-          </p:cNvPr>
-          <p:cNvSpPr txBox="1"/>
-          <p:nvPr/>
-        </p:nvSpPr>
-        <p:spPr>
-          <a:xfrm>
-            <a:off x="7618415" y="2486449"/>
-            <a:ext cx="3633038" cy="2031325"/>
-          </a:xfrm>
-          <a:prstGeom prst="rect">
-            <a:avLst/>
-          </a:prstGeom>
-          <a:noFill/>
-        </p:spPr>
-        <p:txBody>
-          <a:bodyPr wrap="square" rtlCol="0">
-            <a:spAutoFit/>
-          </a:bodyPr>
-          <a:lstStyle/>
-          <a:p>
-            <a:r>
-              <a:rPr lang="en-US" dirty="0"/>
-              <a:t>4 consistently lowest states for ACT</a:t>
-            </a:r>
-          </a:p>
-          <a:p>
+              <a:t>Mean increased from 2017 to 2018, exhibiting higher counts of states on the right side of the histogram. </a:t>
+            </a:r>
+          </a:p>
+          <a:p>
+            <a:pPr marL="285750" indent="-285750">
+              <a:buFontTx/>
+              <a:buChar char="-"/>
+            </a:pPr>
             <a:endParaRPr lang="en-US" dirty="0"/>
-          </a:p>
-          <a:p>
-            <a:pPr marL="342900" indent="-342900">
-              <a:buFont typeface="+mj-lt"/>
-              <a:buAutoNum type="arabicPeriod"/>
-            </a:pPr>
-            <a:r>
-              <a:rPr lang="en-US" dirty="0"/>
-              <a:t>Nevada </a:t>
-            </a:r>
-          </a:p>
-          <a:p>
-            <a:pPr marL="342900" indent="-342900">
-              <a:buFont typeface="+mj-lt"/>
-              <a:buAutoNum type="arabicPeriod"/>
-            </a:pPr>
-            <a:r>
-              <a:rPr lang="en-US" dirty="0"/>
-              <a:t>South Carolina </a:t>
-            </a:r>
-          </a:p>
-          <a:p>
-            <a:pPr marL="342900" indent="-342900">
-              <a:buFont typeface="+mj-lt"/>
-              <a:buAutoNum type="arabicPeriod"/>
-            </a:pPr>
-            <a:r>
-              <a:rPr lang="en-US" dirty="0"/>
-              <a:t>Mississippi</a:t>
-            </a:r>
-          </a:p>
-          <a:p>
-            <a:pPr marL="342900" indent="-342900">
-              <a:buFont typeface="+mj-lt"/>
-              <a:buAutoNum type="arabicPeriod"/>
-            </a:pPr>
-            <a:r>
-              <a:rPr lang="en-US" dirty="0"/>
-              <a:t>Hawaii </a:t>
-            </a:r>
           </a:p>
         </p:txBody>
       </p:sp>
       <p:pic>
         <p:nvPicPr>
-          <p:cNvPr id="3" name="Picture 2">
-            <a:extLst>
-              <a:ext uri="{FF2B5EF4-FFF2-40B4-BE49-F238E27FC236}">
-                <a16:creationId xmlns:a16="http://schemas.microsoft.com/office/drawing/2014/main" id="{1AF9D1E1-3826-4765-BCEA-ADE5334A518C}"/>
+          <p:cNvPr id="2" name="Picture 1">
+            <a:extLst>
+              <a:ext uri="{FF2B5EF4-FFF2-40B4-BE49-F238E27FC236}">
+                <a16:creationId xmlns:a16="http://schemas.microsoft.com/office/drawing/2014/main" id="{0EFD04F4-9E1C-4648-876F-8A31603DBDAD}"/>
               </a:ext>
             </a:extLst>
           </p:cNvPr>
@@ -6619,8 +6531,8 @@
         </p:blipFill>
         <p:spPr>
           <a:xfrm>
-            <a:off x="281287" y="928914"/>
-            <a:ext cx="6440009" cy="5929086"/>
+            <a:off x="2260599" y="1494730"/>
+            <a:ext cx="7799476" cy="3868540"/>
           </a:xfrm>
           <a:prstGeom prst="rect">
             <a:avLst/>
@@ -6630,7 +6542,7 @@
     </p:spTree>
     <p:extLst>
       <p:ext uri="{BB962C8B-B14F-4D97-AF65-F5344CB8AC3E}">
-        <p14:creationId xmlns:p14="http://schemas.microsoft.com/office/powerpoint/2010/main" val="4196495131"/>
+        <p14:creationId xmlns:p14="http://schemas.microsoft.com/office/powerpoint/2010/main" val="3053808435"/>
       </p:ext>
     </p:extLst>
   </p:cSld>
@@ -7083,6 +6995,712 @@
           </a:p>
         </p:txBody>
       </p:sp>
+      <p:sp>
+        <p:nvSpPr>
+          <p:cNvPr id="10" name="Rectangle: Rounded Corners 9">
+            <a:extLst>
+              <a:ext uri="{FF2B5EF4-FFF2-40B4-BE49-F238E27FC236}">
+                <a16:creationId xmlns:a16="http://schemas.microsoft.com/office/drawing/2014/main" id="{1B8CE9BD-5B8E-418E-AA6C-27D43FFDB666}"/>
+              </a:ext>
+            </a:extLst>
+          </p:cNvPr>
+          <p:cNvSpPr/>
+          <p:nvPr/>
+        </p:nvSpPr>
+        <p:spPr>
+          <a:xfrm>
+            <a:off x="7561087" y="3290299"/>
+            <a:ext cx="2109484" cy="888810"/>
+          </a:xfrm>
+          <a:prstGeom prst="roundRect">
+            <a:avLst/>
+          </a:prstGeom>
+          <a:noFill/>
+          <a:ln w="38100"/>
+        </p:spPr>
+        <p:style>
+          <a:lnRef idx="2">
+            <a:schemeClr val="accent1">
+              <a:shade val="50000"/>
+            </a:schemeClr>
+          </a:lnRef>
+          <a:fillRef idx="1">
+            <a:schemeClr val="accent1"/>
+          </a:fillRef>
+          <a:effectRef idx="0">
+            <a:schemeClr val="accent1"/>
+          </a:effectRef>
+          <a:fontRef idx="minor">
+            <a:schemeClr val="lt1"/>
+          </a:fontRef>
+        </p:style>
+        <p:txBody>
+          <a:bodyPr rtlCol="0" anchor="ctr"/>
+          <a:lstStyle/>
+          <a:p>
+            <a:pPr algn="ctr"/>
+            <a:endParaRPr lang="en-SG"/>
+          </a:p>
+        </p:txBody>
+      </p:sp>
+      <p:cxnSp>
+        <p:nvCxnSpPr>
+          <p:cNvPr id="12" name="Straight Arrow Connector 11">
+            <a:extLst>
+              <a:ext uri="{FF2B5EF4-FFF2-40B4-BE49-F238E27FC236}">
+                <a16:creationId xmlns:a16="http://schemas.microsoft.com/office/drawing/2014/main" id="{F0047443-2F78-4324-942D-4A4E3A4A50AA}"/>
+              </a:ext>
+            </a:extLst>
+          </p:cNvPr>
+          <p:cNvCxnSpPr>
+            <a:cxnSpLocks/>
+          </p:cNvCxnSpPr>
+          <p:nvPr/>
+        </p:nvCxnSpPr>
+        <p:spPr>
+          <a:xfrm>
+            <a:off x="9151872" y="4181051"/>
+            <a:ext cx="110462" cy="493926"/>
+          </a:xfrm>
+          <a:prstGeom prst="straightConnector1">
+            <a:avLst/>
+          </a:prstGeom>
+          <a:ln w="57150">
+            <a:solidFill>
+              <a:srgbClr val="916D80"/>
+            </a:solidFill>
+            <a:tailEnd type="triangle"/>
+          </a:ln>
+        </p:spPr>
+        <p:style>
+          <a:lnRef idx="1">
+            <a:schemeClr val="accent1"/>
+          </a:lnRef>
+          <a:fillRef idx="0">
+            <a:schemeClr val="accent1"/>
+          </a:fillRef>
+          <a:effectRef idx="0">
+            <a:schemeClr val="accent1"/>
+          </a:effectRef>
+          <a:fontRef idx="minor">
+            <a:schemeClr val="tx1"/>
+          </a:fontRef>
+        </p:style>
+      </p:cxnSp>
+      <p:sp>
+        <p:nvSpPr>
+          <p:cNvPr id="14" name="TextBox 13">
+            <a:extLst>
+              <a:ext uri="{FF2B5EF4-FFF2-40B4-BE49-F238E27FC236}">
+                <a16:creationId xmlns:a16="http://schemas.microsoft.com/office/drawing/2014/main" id="{9132188F-DCC8-4894-9930-7EBE2A0AA15E}"/>
+              </a:ext>
+            </a:extLst>
+          </p:cNvPr>
+          <p:cNvSpPr txBox="1"/>
+          <p:nvPr/>
+        </p:nvSpPr>
+        <p:spPr>
+          <a:xfrm>
+            <a:off x="8979750" y="4674977"/>
+            <a:ext cx="2046838" cy="923330"/>
+          </a:xfrm>
+          <a:prstGeom prst="rect">
+            <a:avLst/>
+          </a:prstGeom>
+          <a:noFill/>
+        </p:spPr>
+        <p:txBody>
+          <a:bodyPr wrap="square" rtlCol="0">
+            <a:spAutoFit/>
+          </a:bodyPr>
+          <a:lstStyle/>
+          <a:p>
+            <a:r>
+              <a:rPr lang="en-US" dirty="0"/>
+              <a:t>Also falls under </a:t>
+            </a:r>
+            <a:r>
+              <a:rPr lang="en-US" dirty="0">
+                <a:solidFill>
+                  <a:schemeClr val="accent1">
+                    <a:lumMod val="75000"/>
+                  </a:schemeClr>
+                </a:solidFill>
+              </a:rPr>
+              <a:t>lower income</a:t>
+            </a:r>
+            <a:r>
+              <a:rPr lang="en-US" dirty="0"/>
+              <a:t> group</a:t>
+            </a:r>
+            <a:endParaRPr lang="en-SG" dirty="0"/>
+          </a:p>
+        </p:txBody>
+      </p:sp>
+      <p:sp>
+        <p:nvSpPr>
+          <p:cNvPr id="17" name="TextBox 16">
+            <a:extLst>
+              <a:ext uri="{FF2B5EF4-FFF2-40B4-BE49-F238E27FC236}">
+                <a16:creationId xmlns:a16="http://schemas.microsoft.com/office/drawing/2014/main" id="{35D9533A-33F1-476E-A1DC-1AAEE8C8AD19}"/>
+              </a:ext>
+            </a:extLst>
+          </p:cNvPr>
+          <p:cNvSpPr txBox="1"/>
+          <p:nvPr/>
+        </p:nvSpPr>
+        <p:spPr>
+          <a:xfrm>
+            <a:off x="7618415" y="2486449"/>
+            <a:ext cx="3633038" cy="2031325"/>
+          </a:xfrm>
+          <a:prstGeom prst="rect">
+            <a:avLst/>
+          </a:prstGeom>
+          <a:noFill/>
+        </p:spPr>
+        <p:txBody>
+          <a:bodyPr wrap="square" rtlCol="0">
+            <a:spAutoFit/>
+          </a:bodyPr>
+          <a:lstStyle/>
+          <a:p>
+            <a:r>
+              <a:rPr lang="en-US" dirty="0"/>
+              <a:t>4 consistently lowest states for ACT</a:t>
+            </a:r>
+          </a:p>
+          <a:p>
+            <a:endParaRPr lang="en-US" dirty="0"/>
+          </a:p>
+          <a:p>
+            <a:pPr marL="342900" indent="-342900">
+              <a:buFont typeface="+mj-lt"/>
+              <a:buAutoNum type="arabicPeriod"/>
+            </a:pPr>
+            <a:r>
+              <a:rPr lang="en-US" dirty="0"/>
+              <a:t>Nevada </a:t>
+            </a:r>
+          </a:p>
+          <a:p>
+            <a:pPr marL="342900" indent="-342900">
+              <a:buFont typeface="+mj-lt"/>
+              <a:buAutoNum type="arabicPeriod"/>
+            </a:pPr>
+            <a:r>
+              <a:rPr lang="en-US" dirty="0"/>
+              <a:t>South Carolina </a:t>
+            </a:r>
+          </a:p>
+          <a:p>
+            <a:pPr marL="342900" indent="-342900">
+              <a:buFont typeface="+mj-lt"/>
+              <a:buAutoNum type="arabicPeriod"/>
+            </a:pPr>
+            <a:r>
+              <a:rPr lang="en-US" dirty="0"/>
+              <a:t>Mississippi</a:t>
+            </a:r>
+          </a:p>
+          <a:p>
+            <a:pPr marL="342900" indent="-342900">
+              <a:buFont typeface="+mj-lt"/>
+              <a:buAutoNum type="arabicPeriod"/>
+            </a:pPr>
+            <a:r>
+              <a:rPr lang="en-US" dirty="0"/>
+              <a:t>Hawaii </a:t>
+            </a:r>
+          </a:p>
+        </p:txBody>
+      </p:sp>
+      <p:pic>
+        <p:nvPicPr>
+          <p:cNvPr id="3" name="Picture 2">
+            <a:extLst>
+              <a:ext uri="{FF2B5EF4-FFF2-40B4-BE49-F238E27FC236}">
+                <a16:creationId xmlns:a16="http://schemas.microsoft.com/office/drawing/2014/main" id="{1AF9D1E1-3826-4765-BCEA-ADE5334A518C}"/>
+              </a:ext>
+            </a:extLst>
+          </p:cNvPr>
+          <p:cNvPicPr>
+            <a:picLocks noChangeAspect="1"/>
+          </p:cNvPicPr>
+          <p:nvPr/>
+        </p:nvPicPr>
+        <p:blipFill>
+          <a:blip r:embed="rId2"/>
+          <a:stretch>
+            <a:fillRect/>
+          </a:stretch>
+        </p:blipFill>
+        <p:spPr>
+          <a:xfrm>
+            <a:off x="281287" y="928914"/>
+            <a:ext cx="6440009" cy="5929086"/>
+          </a:xfrm>
+          <a:prstGeom prst="rect">
+            <a:avLst/>
+          </a:prstGeom>
+        </p:spPr>
+      </p:pic>
+    </p:spTree>
+    <p:extLst>
+      <p:ext uri="{BB962C8B-B14F-4D97-AF65-F5344CB8AC3E}">
+        <p14:creationId xmlns:p14="http://schemas.microsoft.com/office/powerpoint/2010/main" val="4196495131"/>
+      </p:ext>
+    </p:extLst>
+  </p:cSld>
+  <p:clrMapOvr>
+    <a:masterClrMapping/>
+  </p:clrMapOvr>
+</p:sld>
+</file>
+
+<file path=ppt/slides/slide16.xml><?xml version="1.0" encoding="utf-8"?>
+<p:sld xmlns:a="http://schemas.openxmlformats.org/drawingml/2006/main" xmlns:r="http://schemas.openxmlformats.org/officeDocument/2006/relationships" xmlns:p="http://schemas.openxmlformats.org/presentationml/2006/main">
+  <p:cSld>
+    <p:bg>
+      <p:bgPr>
+        <a:solidFill>
+          <a:schemeClr val="bg1"/>
+        </a:solidFill>
+        <a:effectLst/>
+      </p:bgPr>
+    </p:bg>
+    <p:spTree>
+      <p:nvGrpSpPr>
+        <p:cNvPr id="1" name=""/>
+        <p:cNvGrpSpPr/>
+        <p:nvPr/>
+      </p:nvGrpSpPr>
+      <p:grpSpPr>
+        <a:xfrm>
+          <a:off x="0" y="0"/>
+          <a:ext cx="0" cy="0"/>
+          <a:chOff x="0" y="0"/>
+          <a:chExt cx="0" cy="0"/>
+        </a:xfrm>
+      </p:grpSpPr>
+      <p:sp>
+        <p:nvSpPr>
+          <p:cNvPr id="9" name="Freeform: Shape 8">
+            <a:extLst>
+              <a:ext uri="{FF2B5EF4-FFF2-40B4-BE49-F238E27FC236}">
+                <a16:creationId xmlns:a16="http://schemas.microsoft.com/office/drawing/2014/main" id="{49306479-8C4D-4E4A-A330-DFC80A8A01BE}"/>
+              </a:ext>
+              <a:ext uri="{C183D7F6-B498-43B3-948B-1728B52AA6E4}">
+                <adec:decorative xmlns:adec="http://schemas.microsoft.com/office/drawing/2017/decorative" val="1"/>
+              </a:ext>
+            </a:extLst>
+          </p:cNvPr>
+          <p:cNvSpPr>
+            <a:spLocks noGrp="1" noRot="1" noChangeAspect="1" noMove="1" noResize="1" noEditPoints="1" noAdjustHandles="1" noChangeArrowheads="1" noChangeShapeType="1" noTextEdit="1"/>
+          </p:cNvSpPr>
+          <p:nvPr>
+            <p:extLst>
+              <p:ext uri="{386F3935-93C4-4BCD-93E2-E3B085C9AB24}">
+                <p16:designElem xmlns:p16="http://schemas.microsoft.com/office/powerpoint/2015/main" val="1"/>
+              </p:ext>
+            </p:extLst>
+          </p:nvPr>
+        </p:nvSpPr>
+        <p:spPr>
+          <a:xfrm>
+            <a:off x="0" y="0"/>
+            <a:ext cx="12192000" cy="6105524"/>
+          </a:xfrm>
+          <a:custGeom>
+            <a:avLst/>
+            <a:gdLst>
+              <a:gd name="connsiteX0" fmla="*/ 0 w 12192000"/>
+              <a:gd name="connsiteY0" fmla="*/ 0 h 6105524"/>
+              <a:gd name="connsiteX1" fmla="*/ 12192000 w 12192000"/>
+              <a:gd name="connsiteY1" fmla="*/ 0 h 6105524"/>
+              <a:gd name="connsiteX2" fmla="*/ 12192000 w 12192000"/>
+              <a:gd name="connsiteY2" fmla="*/ 6105524 h 6105524"/>
+              <a:gd name="connsiteX3" fmla="*/ 11435080 w 12192000"/>
+              <a:gd name="connsiteY3" fmla="*/ 6105524 h 6105524"/>
+              <a:gd name="connsiteX4" fmla="*/ 11435080 w 12192000"/>
+              <a:gd name="connsiteY4" fmla="*/ 771523 h 6105524"/>
+              <a:gd name="connsiteX5" fmla="*/ 767080 w 12192000"/>
+              <a:gd name="connsiteY5" fmla="*/ 771523 h 6105524"/>
+              <a:gd name="connsiteX6" fmla="*/ 767080 w 12192000"/>
+              <a:gd name="connsiteY6" fmla="*/ 6105524 h 6105524"/>
+              <a:gd name="connsiteX7" fmla="*/ 0 w 12192000"/>
+              <a:gd name="connsiteY7" fmla="*/ 6105524 h 6105524"/>
+            </a:gdLst>
+            <a:ahLst/>
+            <a:cxnLst>
+              <a:cxn ang="0">
+                <a:pos x="connsiteX0" y="connsiteY0"/>
+              </a:cxn>
+              <a:cxn ang="0">
+                <a:pos x="connsiteX1" y="connsiteY1"/>
+              </a:cxn>
+              <a:cxn ang="0">
+                <a:pos x="connsiteX2" y="connsiteY2"/>
+              </a:cxn>
+              <a:cxn ang="0">
+                <a:pos x="connsiteX3" y="connsiteY3"/>
+              </a:cxn>
+              <a:cxn ang="0">
+                <a:pos x="connsiteX4" y="connsiteY4"/>
+              </a:cxn>
+              <a:cxn ang="0">
+                <a:pos x="connsiteX5" y="connsiteY5"/>
+              </a:cxn>
+              <a:cxn ang="0">
+                <a:pos x="connsiteX6" y="connsiteY6"/>
+              </a:cxn>
+              <a:cxn ang="0">
+                <a:pos x="connsiteX7" y="connsiteY7"/>
+              </a:cxn>
+            </a:cxnLst>
+            <a:rect l="l" t="t" r="r" b="b"/>
+            <a:pathLst>
+              <a:path w="12192000" h="6105524">
+                <a:moveTo>
+                  <a:pt x="0" y="0"/>
+                </a:moveTo>
+                <a:lnTo>
+                  <a:pt x="12192000" y="0"/>
+                </a:lnTo>
+                <a:lnTo>
+                  <a:pt x="12192000" y="6105524"/>
+                </a:lnTo>
+                <a:lnTo>
+                  <a:pt x="11435080" y="6105524"/>
+                </a:lnTo>
+                <a:lnTo>
+                  <a:pt x="11435080" y="771523"/>
+                </a:lnTo>
+                <a:lnTo>
+                  <a:pt x="767080" y="771523"/>
+                </a:lnTo>
+                <a:lnTo>
+                  <a:pt x="767080" y="6105524"/>
+                </a:lnTo>
+                <a:lnTo>
+                  <a:pt x="0" y="6105524"/>
+                </a:lnTo>
+                <a:close/>
+              </a:path>
+            </a:pathLst>
+          </a:custGeom>
+          <a:gradFill flip="none" rotWithShape="1">
+            <a:gsLst>
+              <a:gs pos="10000">
+                <a:schemeClr val="accent5"/>
+              </a:gs>
+              <a:gs pos="90000">
+                <a:schemeClr val="accent1"/>
+              </a:gs>
+              <a:gs pos="70000">
+                <a:schemeClr val="accent2"/>
+              </a:gs>
+              <a:gs pos="30000">
+                <a:schemeClr val="accent4"/>
+              </a:gs>
+              <a:gs pos="50000">
+                <a:schemeClr val="accent3">
+                  <a:lumMod val="60000"/>
+                  <a:lumOff val="40000"/>
+                </a:schemeClr>
+              </a:gs>
+            </a:gsLst>
+            <a:lin ang="7200000" scaled="0"/>
+            <a:tileRect/>
+          </a:gradFill>
+          <a:ln>
+            <a:noFill/>
+          </a:ln>
+        </p:spPr>
+        <p:style>
+          <a:lnRef idx="2">
+            <a:schemeClr val="accent1">
+              <a:shade val="50000"/>
+            </a:schemeClr>
+          </a:lnRef>
+          <a:fillRef idx="1">
+            <a:schemeClr val="accent1"/>
+          </a:fillRef>
+          <a:effectRef idx="0">
+            <a:schemeClr val="accent1"/>
+          </a:effectRef>
+          <a:fontRef idx="minor">
+            <a:schemeClr val="lt1"/>
+          </a:fontRef>
+        </p:style>
+        <p:txBody>
+          <a:bodyPr wrap="square" rtlCol="0" anchor="ctr">
+            <a:noAutofit/>
+          </a:bodyPr>
+          <a:lstStyle/>
+          <a:p>
+            <a:pPr algn="ctr"/>
+            <a:endParaRPr lang="en-US"/>
+          </a:p>
+        </p:txBody>
+      </p:sp>
+      <p:sp useBgFill="1">
+        <p:nvSpPr>
+          <p:cNvPr id="11" name="Rectangle 10">
+            <a:extLst>
+              <a:ext uri="{FF2B5EF4-FFF2-40B4-BE49-F238E27FC236}">
+                <a16:creationId xmlns:a16="http://schemas.microsoft.com/office/drawing/2014/main" id="{9B45BA4C-9B54-4496-821F-9E0985CA984D}"/>
+              </a:ext>
+              <a:ext uri="{C183D7F6-B498-43B3-948B-1728B52AA6E4}">
+                <adec:decorative xmlns:adec="http://schemas.microsoft.com/office/drawing/2017/decorative" val="1"/>
+              </a:ext>
+            </a:extLst>
+          </p:cNvPr>
+          <p:cNvSpPr>
+            <a:spLocks noGrp="1" noRot="1" noChangeAspect="1" noMove="1" noResize="1" noEditPoints="1" noAdjustHandles="1" noChangeArrowheads="1" noChangeShapeType="1" noTextEdit="1"/>
+          </p:cNvSpPr>
+          <p:nvPr>
+            <p:extLst>
+              <p:ext uri="{386F3935-93C4-4BCD-93E2-E3B085C9AB24}">
+                <p16:designElem xmlns:p16="http://schemas.microsoft.com/office/powerpoint/2015/main" val="1"/>
+              </p:ext>
+            </p:extLst>
+          </p:nvPr>
+        </p:nvSpPr>
+        <p:spPr>
+          <a:xfrm>
+            <a:off x="0" y="0"/>
+            <a:ext cx="12192000" cy="6858000"/>
+          </a:xfrm>
+          <a:prstGeom prst="rect">
+            <a:avLst/>
+          </a:prstGeom>
+          <a:ln>
+            <a:noFill/>
+          </a:ln>
+        </p:spPr>
+        <p:style>
+          <a:lnRef idx="2">
+            <a:schemeClr val="accent1">
+              <a:shade val="50000"/>
+            </a:schemeClr>
+          </a:lnRef>
+          <a:fillRef idx="1">
+            <a:schemeClr val="accent1"/>
+          </a:fillRef>
+          <a:effectRef idx="0">
+            <a:schemeClr val="accent1"/>
+          </a:effectRef>
+          <a:fontRef idx="minor">
+            <a:schemeClr val="lt1"/>
+          </a:fontRef>
+        </p:style>
+        <p:txBody>
+          <a:bodyPr rtlCol="0" anchor="ctr"/>
+          <a:lstStyle/>
+          <a:p>
+            <a:pPr algn="ctr"/>
+            <a:endParaRPr lang="en-US"/>
+          </a:p>
+        </p:txBody>
+      </p:sp>
+      <p:sp>
+        <p:nvSpPr>
+          <p:cNvPr id="13" name="Rectangle 12">
+            <a:extLst>
+              <a:ext uri="{FF2B5EF4-FFF2-40B4-BE49-F238E27FC236}">
+                <a16:creationId xmlns:a16="http://schemas.microsoft.com/office/drawing/2014/main" id="{85E1BB9D-FAFF-4C3E-9E44-13F8FBABCD62}"/>
+              </a:ext>
+              <a:ext uri="{C183D7F6-B498-43B3-948B-1728B52AA6E4}">
+                <adec:decorative xmlns:adec="http://schemas.microsoft.com/office/drawing/2017/decorative" val="1"/>
+              </a:ext>
+            </a:extLst>
+          </p:cNvPr>
+          <p:cNvSpPr>
+            <a:spLocks noGrp="1" noRot="1" noChangeAspect="1" noMove="1" noResize="1" noEditPoints="1" noAdjustHandles="1" noChangeArrowheads="1" noChangeShapeType="1" noTextEdit="1"/>
+          </p:cNvSpPr>
+          <p:nvPr>
+            <p:extLst>
+              <p:ext uri="{386F3935-93C4-4BCD-93E2-E3B085C9AB24}">
+                <p16:designElem xmlns:p16="http://schemas.microsoft.com/office/powerpoint/2015/main" val="1"/>
+              </p:ext>
+            </p:extLst>
+          </p:nvPr>
+        </p:nvSpPr>
+        <p:spPr>
+          <a:xfrm>
+            <a:off x="0" y="0"/>
+            <a:ext cx="12192000" cy="6858000"/>
+          </a:xfrm>
+          <a:prstGeom prst="rect">
+            <a:avLst/>
+          </a:prstGeom>
+          <a:gradFill flip="none" rotWithShape="1">
+            <a:gsLst>
+              <a:gs pos="10000">
+                <a:schemeClr val="accent5"/>
+              </a:gs>
+              <a:gs pos="90000">
+                <a:schemeClr val="accent1"/>
+              </a:gs>
+              <a:gs pos="70000">
+                <a:schemeClr val="accent2"/>
+              </a:gs>
+              <a:gs pos="30000">
+                <a:schemeClr val="accent4"/>
+              </a:gs>
+              <a:gs pos="50000">
+                <a:schemeClr val="accent3">
+                  <a:lumMod val="60000"/>
+                  <a:lumOff val="40000"/>
+                </a:schemeClr>
+              </a:gs>
+            </a:gsLst>
+            <a:lin ang="7200000" scaled="0"/>
+            <a:tileRect/>
+          </a:gradFill>
+          <a:ln>
+            <a:noFill/>
+          </a:ln>
+        </p:spPr>
+        <p:style>
+          <a:lnRef idx="2">
+            <a:schemeClr val="accent1">
+              <a:shade val="50000"/>
+            </a:schemeClr>
+          </a:lnRef>
+          <a:fillRef idx="1">
+            <a:schemeClr val="accent1"/>
+          </a:fillRef>
+          <a:effectRef idx="0">
+            <a:schemeClr val="accent1"/>
+          </a:effectRef>
+          <a:fontRef idx="minor">
+            <a:schemeClr val="lt1"/>
+          </a:fontRef>
+        </p:style>
+        <p:txBody>
+          <a:bodyPr rtlCol="0" anchor="ctr"/>
+          <a:lstStyle/>
+          <a:p>
+            <a:pPr algn="ctr"/>
+            <a:endParaRPr lang="en-US"/>
+          </a:p>
+        </p:txBody>
+      </p:sp>
+      <p:sp useBgFill="1">
+        <p:nvSpPr>
+          <p:cNvPr id="15" name="Rectangle 14">
+            <a:extLst>
+              <a:ext uri="{FF2B5EF4-FFF2-40B4-BE49-F238E27FC236}">
+                <a16:creationId xmlns:a16="http://schemas.microsoft.com/office/drawing/2014/main" id="{47C897C6-901F-410E-B2AC-162ED94B010E}"/>
+              </a:ext>
+              <a:ext uri="{C183D7F6-B498-43B3-948B-1728B52AA6E4}">
+                <adec:decorative xmlns:adec="http://schemas.microsoft.com/office/drawing/2017/decorative" val="1"/>
+              </a:ext>
+            </a:extLst>
+          </p:cNvPr>
+          <p:cNvSpPr>
+            <a:spLocks noGrp="1" noRot="1" noChangeAspect="1" noMove="1" noResize="1" noEditPoints="1" noAdjustHandles="1" noChangeArrowheads="1" noChangeShapeType="1" noTextEdit="1"/>
+          </p:cNvSpPr>
+          <p:nvPr>
+            <p:extLst>
+              <p:ext uri="{386F3935-93C4-4BCD-93E2-E3B085C9AB24}">
+                <p16:designElem xmlns:p16="http://schemas.microsoft.com/office/powerpoint/2015/main" val="1"/>
+              </p:ext>
+            </p:extLst>
+          </p:nvPr>
+        </p:nvSpPr>
+        <p:spPr>
+          <a:xfrm>
+            <a:off x="0" y="762000"/>
+            <a:ext cx="12192000" cy="6096000"/>
+          </a:xfrm>
+          <a:prstGeom prst="rect">
+            <a:avLst/>
+          </a:prstGeom>
+          <a:ln w="76200">
+            <a:noFill/>
+          </a:ln>
+        </p:spPr>
+        <p:style>
+          <a:lnRef idx="2">
+            <a:schemeClr val="accent1">
+              <a:shade val="50000"/>
+            </a:schemeClr>
+          </a:lnRef>
+          <a:fillRef idx="1">
+            <a:schemeClr val="accent1"/>
+          </a:fillRef>
+          <a:effectRef idx="0">
+            <a:schemeClr val="accent1"/>
+          </a:effectRef>
+          <a:fontRef idx="minor">
+            <a:schemeClr val="lt1"/>
+          </a:fontRef>
+        </p:style>
+        <p:txBody>
+          <a:bodyPr rtlCol="0" anchor="ctr"/>
+          <a:lstStyle/>
+          <a:p>
+            <a:pPr algn="ctr"/>
+            <a:endParaRPr lang="en-US"/>
+          </a:p>
+        </p:txBody>
+      </p:sp>
+      <p:sp>
+        <p:nvSpPr>
+          <p:cNvPr id="7" name="Rectangle: Rounded Corners 6">
+            <a:extLst>
+              <a:ext uri="{FF2B5EF4-FFF2-40B4-BE49-F238E27FC236}">
+                <a16:creationId xmlns:a16="http://schemas.microsoft.com/office/drawing/2014/main" id="{BAF97F2F-8BF3-42C8-8D29-72C6821D356C}"/>
+              </a:ext>
+            </a:extLst>
+          </p:cNvPr>
+          <p:cNvSpPr/>
+          <p:nvPr/>
+        </p:nvSpPr>
+        <p:spPr>
+          <a:xfrm>
+            <a:off x="2332367" y="138019"/>
+            <a:ext cx="7670802" cy="449942"/>
+          </a:xfrm>
+          <a:prstGeom prst="roundRect">
+            <a:avLst/>
+          </a:prstGeom>
+          <a:solidFill>
+            <a:schemeClr val="accent2"/>
+          </a:solidFill>
+        </p:spPr>
+        <p:style>
+          <a:lnRef idx="2">
+            <a:schemeClr val="accent1">
+              <a:shade val="50000"/>
+            </a:schemeClr>
+          </a:lnRef>
+          <a:fillRef idx="1">
+            <a:schemeClr val="accent1"/>
+          </a:fillRef>
+          <a:effectRef idx="0">
+            <a:schemeClr val="accent1"/>
+          </a:effectRef>
+          <a:fontRef idx="minor">
+            <a:schemeClr val="lt1"/>
+          </a:fontRef>
+        </p:style>
+        <p:txBody>
+          <a:bodyPr rtlCol="0" anchor="ctr"/>
+          <a:lstStyle/>
+          <a:p>
+            <a:pPr algn="ctr"/>
+            <a:r>
+              <a:rPr lang="en-US" b="1" dirty="0"/>
+              <a:t>Histogram of percentage difference VS Statewide mean (21.5)</a:t>
+            </a:r>
+            <a:endParaRPr lang="en-SG" b="1" dirty="0"/>
+          </a:p>
+        </p:txBody>
+      </p:sp>
       <p:pic>
         <p:nvPicPr>
           <p:cNvPr id="16" name="Picture 2">
@@ -7354,7 +7972,7 @@
 </p:sld>
 </file>
 
-<file path=ppt/slides/slide16.xml><?xml version="1.0" encoding="utf-8"?>
+<file path=ppt/slides/slide17.xml><?xml version="1.0" encoding="utf-8"?>
 <p:sld xmlns:a="http://schemas.openxmlformats.org/drawingml/2006/main" xmlns:r="http://schemas.openxmlformats.org/officeDocument/2006/relationships" xmlns:p="http://schemas.openxmlformats.org/presentationml/2006/main">
   <p:cSld>
     <p:bg>
@@ -15104,142 +15722,22 @@
           </a:p>
         </p:txBody>
       </p:sp>
-      <p:pic>
-        <p:nvPicPr>
-          <p:cNvPr id="2" name="Picture 1">
-            <a:extLst>
-              <a:ext uri="{FF2B5EF4-FFF2-40B4-BE49-F238E27FC236}">
-                <a16:creationId xmlns:a16="http://schemas.microsoft.com/office/drawing/2014/main" id="{53051C16-2D8D-46BD-9105-59450FAD0579}"/>
-              </a:ext>
-            </a:extLst>
-          </p:cNvPr>
-          <p:cNvPicPr>
-            <a:picLocks noChangeAspect="1"/>
-          </p:cNvPicPr>
+      <p:sp>
+        <p:nvSpPr>
+          <p:cNvPr id="19" name="TextBox 18">
+            <a:extLst>
+              <a:ext uri="{FF2B5EF4-FFF2-40B4-BE49-F238E27FC236}">
+                <a16:creationId xmlns:a16="http://schemas.microsoft.com/office/drawing/2014/main" id="{98456305-16A3-4777-A440-C6B2BCFDE9AC}"/>
+              </a:ext>
+            </a:extLst>
+          </p:cNvPr>
+          <p:cNvSpPr txBox="1"/>
           <p:nvPr/>
-        </p:nvPicPr>
-        <p:blipFill>
-          <a:blip r:embed="rId2"/>
-          <a:stretch>
-            <a:fillRect/>
-          </a:stretch>
-        </p:blipFill>
+        </p:nvSpPr>
         <p:spPr>
           <a:xfrm>
-            <a:off x="1679884" y="1415293"/>
-            <a:ext cx="3752232" cy="2184518"/>
-          </a:xfrm>
-          <a:prstGeom prst="rect">
-            <a:avLst/>
-          </a:prstGeom>
-        </p:spPr>
-      </p:pic>
-      <p:pic>
-        <p:nvPicPr>
-          <p:cNvPr id="4" name="Picture 3">
-            <a:extLst>
-              <a:ext uri="{FF2B5EF4-FFF2-40B4-BE49-F238E27FC236}">
-                <a16:creationId xmlns:a16="http://schemas.microsoft.com/office/drawing/2014/main" id="{4F1A1AC7-5BA9-45B5-8883-1B8807F3CD42}"/>
-              </a:ext>
-            </a:extLst>
-          </p:cNvPr>
-          <p:cNvPicPr>
-            <a:picLocks noChangeAspect="1"/>
-          </p:cNvPicPr>
-          <p:nvPr/>
-        </p:nvPicPr>
-        <p:blipFill>
-          <a:blip r:embed="rId3"/>
-          <a:stretch>
-            <a:fillRect/>
-          </a:stretch>
-        </p:blipFill>
-        <p:spPr>
-          <a:xfrm>
-            <a:off x="1662060" y="3607366"/>
-            <a:ext cx="3936373" cy="1995148"/>
-          </a:xfrm>
-          <a:prstGeom prst="rect">
-            <a:avLst/>
-          </a:prstGeom>
-        </p:spPr>
-      </p:pic>
-      <p:pic>
-        <p:nvPicPr>
-          <p:cNvPr id="5" name="Picture 4">
-            <a:extLst>
-              <a:ext uri="{FF2B5EF4-FFF2-40B4-BE49-F238E27FC236}">
-                <a16:creationId xmlns:a16="http://schemas.microsoft.com/office/drawing/2014/main" id="{0E5F8DC4-F95C-40C6-AF41-241557CE07A9}"/>
-              </a:ext>
-            </a:extLst>
-          </p:cNvPr>
-          <p:cNvPicPr>
-            <a:picLocks noChangeAspect="1"/>
-          </p:cNvPicPr>
-          <p:nvPr/>
-        </p:nvPicPr>
-        <p:blipFill>
-          <a:blip r:embed="rId4"/>
-          <a:stretch>
-            <a:fillRect/>
-          </a:stretch>
-        </p:blipFill>
-        <p:spPr>
-          <a:xfrm>
-            <a:off x="6695168" y="1465796"/>
-            <a:ext cx="3678464" cy="2141570"/>
-          </a:xfrm>
-          <a:prstGeom prst="rect">
-            <a:avLst/>
-          </a:prstGeom>
-        </p:spPr>
-      </p:pic>
-      <p:pic>
-        <p:nvPicPr>
-          <p:cNvPr id="6" name="Picture 5">
-            <a:extLst>
-              <a:ext uri="{FF2B5EF4-FFF2-40B4-BE49-F238E27FC236}">
-                <a16:creationId xmlns:a16="http://schemas.microsoft.com/office/drawing/2014/main" id="{1E243AF6-B0B6-4CF0-8054-1B0F89171B52}"/>
-              </a:ext>
-            </a:extLst>
-          </p:cNvPr>
-          <p:cNvPicPr>
-            <a:picLocks noChangeAspect="1"/>
-          </p:cNvPicPr>
-          <p:nvPr/>
-        </p:nvPicPr>
-        <p:blipFill>
-          <a:blip r:embed="rId5"/>
-          <a:stretch>
-            <a:fillRect/>
-          </a:stretch>
-        </p:blipFill>
-        <p:spPr>
-          <a:xfrm>
-            <a:off x="6695168" y="3631405"/>
-            <a:ext cx="3718060" cy="1884496"/>
-          </a:xfrm>
-          <a:prstGeom prst="rect">
-            <a:avLst/>
-          </a:prstGeom>
-        </p:spPr>
-      </p:pic>
-      <p:sp>
-        <p:nvSpPr>
-          <p:cNvPr id="19" name="TextBox 18">
-            <a:extLst>
-              <a:ext uri="{FF2B5EF4-FFF2-40B4-BE49-F238E27FC236}">
-                <a16:creationId xmlns:a16="http://schemas.microsoft.com/office/drawing/2014/main" id="{98456305-16A3-4777-A440-C6B2BCFDE9AC}"/>
-              </a:ext>
-            </a:extLst>
-          </p:cNvPr>
-          <p:cNvSpPr txBox="1"/>
-          <p:nvPr/>
-        </p:nvSpPr>
-        <p:spPr>
-          <a:xfrm>
-            <a:off x="1679884" y="5782358"/>
-            <a:ext cx="7951789" cy="646331"/>
+            <a:off x="2120103" y="4895850"/>
+            <a:ext cx="7951789" cy="1754326"/>
           </a:xfrm>
           <a:prstGeom prst="rect">
             <a:avLst/>
@@ -15252,14 +15750,69 @@
           </a:bodyPr>
           <a:lstStyle/>
           <a:p>
-            <a:pPr algn="ctr"/>
             <a:r>
               <a:rPr lang="en-US" dirty="0"/>
-              <a:t>When split by participation rates between the &lt;20% and &gt;80%, can see positive correlation between income and SAT/ACT scores  </a:t>
-            </a:r>
-          </a:p>
-        </p:txBody>
-      </p:sp>
+              <a:t>Observed that the ACT scores have positive correlation with the income levels of the students about 0.6. On the contrary, the SAT scores showed little correlation with income about -0.2 </a:t>
+            </a:r>
+          </a:p>
+          <a:p>
+            <a:endParaRPr lang="en-US" dirty="0"/>
+          </a:p>
+          <a:p>
+            <a:r>
+              <a:rPr lang="en-US" dirty="0"/>
+              <a:t>We need to dissect the graph further by looking into the participation rates closely.  </a:t>
+            </a:r>
+          </a:p>
+        </p:txBody>
+      </p:sp>
+      <p:pic>
+        <p:nvPicPr>
+          <p:cNvPr id="1026" name="Picture 2">
+            <a:extLst>
+              <a:ext uri="{FF2B5EF4-FFF2-40B4-BE49-F238E27FC236}">
+                <a16:creationId xmlns:a16="http://schemas.microsoft.com/office/drawing/2014/main" id="{1CB30A61-DB0B-480F-B5F0-041A874840F0}"/>
+              </a:ext>
+            </a:extLst>
+          </p:cNvPr>
+          <p:cNvPicPr>
+            <a:picLocks noChangeAspect="1" noChangeArrowheads="1"/>
+          </p:cNvPicPr>
+          <p:nvPr/>
+        </p:nvPicPr>
+        <p:blipFill>
+          <a:blip r:embed="rId2">
+            <a:extLst>
+              <a:ext uri="{28A0092B-C50C-407E-A947-70E740481C1C}">
+                <a14:useLocalDpi xmlns:a14="http://schemas.microsoft.com/office/drawing/2010/main" val="0"/>
+              </a:ext>
+            </a:extLst>
+          </a:blip>
+          <a:srcRect/>
+          <a:stretch>
+            <a:fillRect/>
+          </a:stretch>
+        </p:blipFill>
+        <p:spPr bwMode="auto">
+          <a:xfrm>
+            <a:off x="1404936" y="1724025"/>
+            <a:ext cx="9382125" cy="3171825"/>
+          </a:xfrm>
+          <a:prstGeom prst="rect">
+            <a:avLst/>
+          </a:prstGeom>
+          <a:noFill/>
+          <a:extLst>
+            <a:ext uri="{909E8E84-426E-40DD-AFC4-6F175D3DCCD1}">
+              <a14:hiddenFill xmlns:a14="http://schemas.microsoft.com/office/drawing/2010/main">
+                <a:solidFill>
+                  <a:srgbClr val="FFFFFF"/>
+                </a:solidFill>
+              </a14:hiddenFill>
+            </a:ext>
+          </a:extLst>
+        </p:spPr>
+      </p:pic>
     </p:spTree>
     <p:extLst>
       <p:ext uri="{BB962C8B-B14F-4D97-AF65-F5344CB8AC3E}">
